--- a/Reservation_Vol.pptx
+++ b/Reservation_Vol.pptx
@@ -6,8 +6,8 @@
   </p:sldMasterIdLst>
   <p:sldIdLst>
     <p:sldId id="256" r:id="rId2"/>
-    <p:sldId id="261" r:id="rId3"/>
-    <p:sldId id="258" r:id="rId4"/>
+    <p:sldId id="258" r:id="rId3"/>
+    <p:sldId id="261" r:id="rId4"/>
     <p:sldId id="262" r:id="rId5"/>
     <p:sldId id="263" r:id="rId6"/>
     <p:sldId id="264" r:id="rId7"/>
@@ -288,7 +288,7 @@
           <a:p>
             <a:fld id="{79C5A860-F335-4252-AA00-24FB67ED2982}" type="datetime1">
               <a:rPr lang="en-US" smtClean="0"/>
-              <a:t>10/21/2024</a:t>
+              <a:t>10/22/2024</a:t>
             </a:fld>
             <a:endParaRPr lang="en-US"/>
           </a:p>
@@ -487,7 +487,7 @@
           <a:p>
             <a:fld id="{46AB1048-0047-48CA-88BA-D69B470942CF}" type="datetime1">
               <a:rPr lang="en-US" smtClean="0"/>
-              <a:t>10/21/2024</a:t>
+              <a:t>10/22/2024</a:t>
             </a:fld>
             <a:endParaRPr lang="en-US"/>
           </a:p>
@@ -697,7 +697,7 @@
           <a:p>
             <a:fld id="{5BD83879-648C-49A9-81A2-0EF5946532D0}" type="datetime1">
               <a:rPr lang="en-US" smtClean="0"/>
-              <a:t>10/21/2024</a:t>
+              <a:t>10/22/2024</a:t>
             </a:fld>
             <a:endParaRPr lang="en-US"/>
           </a:p>
@@ -895,7 +895,7 @@
           <a:p>
             <a:fld id="{D04BC802-30E3-4658-9CCA-F873646FEC67}" type="datetime1">
               <a:rPr lang="en-US" smtClean="0"/>
-              <a:t>10/21/2024</a:t>
+              <a:t>10/22/2024</a:t>
             </a:fld>
             <a:endParaRPr lang="en-US"/>
           </a:p>
@@ -1173,7 +1173,7 @@
           <a:p>
             <a:fld id="{0AB227A3-19CE-4153-81CE-64EB7AB094B3}" type="datetime1">
               <a:rPr lang="en-US" smtClean="0"/>
-              <a:t>10/21/2024</a:t>
+              <a:t>10/22/2024</a:t>
             </a:fld>
             <a:endParaRPr lang="en-US"/>
           </a:p>
@@ -1440,7 +1440,7 @@
           <a:p>
             <a:fld id="{B819A100-10F6-477E-8847-29D479EF1C92}" type="datetime1">
               <a:rPr lang="en-US" smtClean="0"/>
-              <a:t>10/21/2024</a:t>
+              <a:t>10/22/2024</a:t>
             </a:fld>
             <a:endParaRPr lang="en-US"/>
           </a:p>
@@ -1854,7 +1854,7 @@
           <a:p>
             <a:fld id="{5DF128AB-198A-495F-8475-FDB360C9873F}" type="datetime1">
               <a:rPr lang="en-US" smtClean="0"/>
-              <a:t>10/21/2024</a:t>
+              <a:t>10/22/2024</a:t>
             </a:fld>
             <a:endParaRPr lang="en-US"/>
           </a:p>
@@ -1995,7 +1995,7 @@
           <a:p>
             <a:fld id="{021A235E-F8FD-479F-9FC7-18BE84110877}" type="datetime1">
               <a:rPr lang="en-US" smtClean="0"/>
-              <a:t>10/21/2024</a:t>
+              <a:t>10/22/2024</a:t>
             </a:fld>
             <a:endParaRPr lang="en-US"/>
           </a:p>
@@ -2108,7 +2108,7 @@
           <a:p>
             <a:fld id="{E890F09B-68DA-462E-9DB4-4C9ADAB8CBCC}" type="datetime1">
               <a:rPr lang="en-US" smtClean="0"/>
-              <a:t>10/21/2024</a:t>
+              <a:t>10/22/2024</a:t>
             </a:fld>
             <a:endParaRPr lang="en-US"/>
           </a:p>
@@ -2427,7 +2427,7 @@
           <a:p>
             <a:fld id="{17AC4E36-FABE-47EB-AA7F-C19A93824617}" type="datetime1">
               <a:rPr lang="en-US" smtClean="0"/>
-              <a:t>10/21/2024</a:t>
+              <a:t>10/22/2024</a:t>
             </a:fld>
             <a:endParaRPr lang="en-US"/>
           </a:p>
@@ -2724,7 +2724,7 @@
           <a:p>
             <a:fld id="{F199CE6B-5DE6-4A2D-B72E-5E8969F9F56F}" type="datetime1">
               <a:rPr lang="en-US" smtClean="0"/>
-              <a:t>10/21/2024</a:t>
+              <a:t>10/22/2024</a:t>
             </a:fld>
             <a:endParaRPr lang="en-US"/>
           </a:p>
@@ -3582,7 +3582,7 @@
           <a:p>
             <a:fld id="{F481A142-DA77-4A5F-AD1F-14E6C18F0F5F}" type="datetime1">
               <a:rPr lang="en-US" smtClean="0"/>
-              <a:t>10/21/2024</a:t>
+              <a:t>10/22/2024</a:t>
             </a:fld>
             <a:endParaRPr lang="en-US" dirty="0"/>
           </a:p>
@@ -7326,7 +7326,7 @@
       </p:grpSpPr>
       <p:sp useBgFill="1">
         <p:nvSpPr>
-          <p:cNvPr id="8" name="Background Fill">
+          <p:cNvPr id="14" name="Background Fill">
             <a:extLst>
               <a:ext uri="{FF2B5EF4-FFF2-40B4-BE49-F238E27FC236}">
                 <a16:creationId xmlns:a16="http://schemas.microsoft.com/office/drawing/2014/main" id="{B937640E-EF7A-4A6C-A950-D12B7D5C923E}"/>
@@ -7386,7 +7386,7 @@
       </p:sp>
       <p:sp>
         <p:nvSpPr>
-          <p:cNvPr id="10" name="Rectangle 9">
+          <p:cNvPr id="15" name="Rectangle 14">
             <a:extLst>
               <a:ext uri="{FF2B5EF4-FFF2-40B4-BE49-F238E27FC236}">
                 <a16:creationId xmlns:a16="http://schemas.microsoft.com/office/drawing/2014/main" id="{400B39A6-D628-4338-9D6E-995B6A739DAB}"/>
@@ -7454,7 +7454,7 @@
           <p:cNvPr id="2" name="Titre 1">
             <a:extLst>
               <a:ext uri="{FF2B5EF4-FFF2-40B4-BE49-F238E27FC236}">
-                <a16:creationId xmlns:a16="http://schemas.microsoft.com/office/drawing/2014/main" id="{50A4C8A8-B532-3A26-2833-29BFEFF18DD0}"/>
+                <a16:creationId xmlns:a16="http://schemas.microsoft.com/office/drawing/2014/main" id="{0EBCD641-A5D9-8272-61C0-3BF868525909}"/>
               </a:ext>
             </a:extLst>
           </p:cNvPr>
@@ -7482,7 +7482,7 @@
                 <a:ea typeface="+mj-lt"/>
                 <a:cs typeface="+mj-lt"/>
               </a:rPr>
-              <a:t>Fenêtres utiles et fonctionnalités</a:t>
+              <a:t>Présentation du service externe</a:t>
             </a:r>
             <a:endParaRPr lang="fr-FR" dirty="0"/>
           </a:p>
@@ -7490,7 +7490,7 @@
       </p:sp>
       <p:sp>
         <p:nvSpPr>
-          <p:cNvPr id="12" name="Freeform: Shape 11">
+          <p:cNvPr id="16" name="Freeform: Shape 11">
             <a:extLst>
               <a:ext uri="{FF2B5EF4-FFF2-40B4-BE49-F238E27FC236}">
                 <a16:creationId xmlns:a16="http://schemas.microsoft.com/office/drawing/2014/main" id="{C2EB82B4-D9A1-4145-93F1-004DC0B9BBDD}"/>
@@ -7769,7 +7769,7 @@
           <p:cNvPr id="3" name="Espace réservé du contenu 2">
             <a:extLst>
               <a:ext uri="{FF2B5EF4-FFF2-40B4-BE49-F238E27FC236}">
-                <a16:creationId xmlns:a16="http://schemas.microsoft.com/office/drawing/2014/main" id="{28AF5802-2A18-83DE-F9FE-0191DB3DD657}"/>
+                <a16:creationId xmlns:a16="http://schemas.microsoft.com/office/drawing/2014/main" id="{DE3B3BB9-0BC7-07A7-0665-8E78C006418E}"/>
               </a:ext>
             </a:extLst>
           </p:cNvPr>
@@ -7788,69 +7788,52 @@
         </p:spPr>
         <p:txBody>
           <a:bodyPr vert="horz" lIns="91440" tIns="45720" rIns="91440" bIns="45720" rtlCol="0" anchor="t">
-            <a:normAutofit fontScale="92500" lnSpcReduction="10000"/>
+            <a:normAutofit fontScale="92500" lnSpcReduction="20000"/>
           </a:bodyPr>
           <a:lstStyle/>
           <a:p>
-            <a:r>
-              <a:rPr lang="fr-FR" dirty="0"/>
-              <a:t>Notre app permet de </a:t>
-            </a:r>
             <a:r>
               <a:rPr lang="fr-FR" dirty="0">
                 <a:ea typeface="+mn-lt"/>
                 <a:cs typeface="+mn-lt"/>
               </a:rPr>
-              <a:t>voir les vols disponibles.</a:t>
-            </a:r>
-          </a:p>
-          <a:p>
-            <a:r>
-              <a:rPr lang="fr-FR" dirty="0">
-                <a:ea typeface="+mn-lt"/>
-                <a:cs typeface="+mn-lt"/>
-              </a:rPr>
-              <a:t>Créer une réservation (choix du vol, de la classe, du siège, du repas).</a:t>
-            </a:r>
+              <a:t>Pour l'API nous la développons dans le cours de service d’échange de données.</a:t>
+            </a:r>
+          </a:p>
+          <a:p>
             <a:endParaRPr lang="fr-FR" dirty="0"/>
           </a:p>
           <a:p>
-            <a:endParaRPr lang="fr-FR" dirty="0"/>
-          </a:p>
-          <a:p>
-            <a:endParaRPr lang="fr-FR" dirty="0"/>
-          </a:p>
-          <a:p>
-            <a:r>
-              <a:rPr lang="fr-FR" sz="1700" dirty="0"/>
-              <a:t>Lien du design sur </a:t>
-            </a:r>
-            <a:r>
-              <a:rPr lang="fr-FR" sz="1700" dirty="0" err="1"/>
-              <a:t>Figma</a:t>
-            </a:r>
-            <a:r>
-              <a:rPr lang="fr-FR" sz="1700" dirty="0"/>
-              <a:t> :  </a:t>
-            </a:r>
-            <a:endParaRPr lang="fr-FR" sz="1700" dirty="0">
-              <a:ea typeface="+mn-lt"/>
-              <a:cs typeface="+mn-lt"/>
-            </a:endParaRPr>
-          </a:p>
-          <a:p>
-            <a:r>
-              <a:rPr lang="fr-FR" sz="1700" dirty="0">
-                <a:ea typeface="+mn-lt"/>
-                <a:cs typeface="+mn-lt"/>
-                <a:hlinkClick r:id="rId2"/>
-              </a:rPr>
-              <a:t>https://www.figma.com/design/Ff8xxLAMv2wPUxkNbBzVOz/SERVICE-VOLS?node-id=0-1&amp;t=Ak5qHgbMBOUFz5vl-1</a:t>
-            </a:r>
-            <a:endParaRPr lang="fr-FR" sz="1700" dirty="0">
-              <a:ea typeface="+mn-lt"/>
-              <a:cs typeface="+mn-lt"/>
-            </a:endParaRPr>
+            <a:r>
+              <a:rPr lang="fr-FR" dirty="0"/>
+              <a:t>API : </a:t>
+            </a:r>
+          </a:p>
+          <a:p>
+            <a:r>
+              <a:rPr lang="fr-FR" dirty="0"/>
+              <a:t>Réservation de vols : </a:t>
+            </a:r>
+          </a:p>
+          <a:p>
+            <a:pPr marL="342900" indent="-342900">
+              <a:buFontTx/>
+              <a:buChar char="-"/>
+            </a:pPr>
+            <a:r>
+              <a:rPr lang="fr-FR" dirty="0"/>
+              <a:t>Notre api permet aux administrateur et employés de créer, annuler et modifier des vols. </a:t>
+            </a:r>
+          </a:p>
+          <a:p>
+            <a:pPr marL="342900" indent="-342900">
+              <a:buFontTx/>
+              <a:buChar char="-"/>
+            </a:pPr>
+            <a:r>
+              <a:rPr lang="fr-FR" dirty="0"/>
+              <a:t>Les clients eux peuvent, réserver des vols, modifier et annuler les réservations.</a:t>
+            </a:r>
           </a:p>
           <a:p>
             <a:endParaRPr lang="fr-FR" dirty="0"/>
@@ -7860,7 +7843,7 @@
     </p:spTree>
     <p:extLst>
       <p:ext uri="{BB962C8B-B14F-4D97-AF65-F5344CB8AC3E}">
-        <p14:creationId xmlns:p14="http://schemas.microsoft.com/office/powerpoint/2010/main" val="1481485827"/>
+        <p14:creationId xmlns:p14="http://schemas.microsoft.com/office/powerpoint/2010/main" val="1828753206"/>
       </p:ext>
     </p:extLst>
   </p:cSld>
@@ -7897,7 +7880,7 @@
       </p:grpSpPr>
       <p:sp useBgFill="1">
         <p:nvSpPr>
-          <p:cNvPr id="14" name="Background Fill">
+          <p:cNvPr id="8" name="Background Fill">
             <a:extLst>
               <a:ext uri="{FF2B5EF4-FFF2-40B4-BE49-F238E27FC236}">
                 <a16:creationId xmlns:a16="http://schemas.microsoft.com/office/drawing/2014/main" id="{B937640E-EF7A-4A6C-A950-D12B7D5C923E}"/>
@@ -7957,7 +7940,7 @@
       </p:sp>
       <p:sp>
         <p:nvSpPr>
-          <p:cNvPr id="15" name="Rectangle 14">
+          <p:cNvPr id="10" name="Rectangle 9">
             <a:extLst>
               <a:ext uri="{FF2B5EF4-FFF2-40B4-BE49-F238E27FC236}">
                 <a16:creationId xmlns:a16="http://schemas.microsoft.com/office/drawing/2014/main" id="{400B39A6-D628-4338-9D6E-995B6A739DAB}"/>
@@ -8025,7 +8008,7 @@
           <p:cNvPr id="2" name="Titre 1">
             <a:extLst>
               <a:ext uri="{FF2B5EF4-FFF2-40B4-BE49-F238E27FC236}">
-                <a16:creationId xmlns:a16="http://schemas.microsoft.com/office/drawing/2014/main" id="{0EBCD641-A5D9-8272-61C0-3BF868525909}"/>
+                <a16:creationId xmlns:a16="http://schemas.microsoft.com/office/drawing/2014/main" id="{50A4C8A8-B532-3A26-2833-29BFEFF18DD0}"/>
               </a:ext>
             </a:extLst>
           </p:cNvPr>
@@ -8053,7 +8036,7 @@
                 <a:ea typeface="+mj-lt"/>
                 <a:cs typeface="+mj-lt"/>
               </a:rPr>
-              <a:t>Présentation du service externe</a:t>
+              <a:t>Fenêtres utiles et fonctionnalités</a:t>
             </a:r>
             <a:endParaRPr lang="fr-FR" dirty="0"/>
           </a:p>
@@ -8061,7 +8044,7 @@
       </p:sp>
       <p:sp>
         <p:nvSpPr>
-          <p:cNvPr id="16" name="Freeform: Shape 11">
+          <p:cNvPr id="12" name="Freeform: Shape 11">
             <a:extLst>
               <a:ext uri="{FF2B5EF4-FFF2-40B4-BE49-F238E27FC236}">
                 <a16:creationId xmlns:a16="http://schemas.microsoft.com/office/drawing/2014/main" id="{C2EB82B4-D9A1-4145-93F1-004DC0B9BBDD}"/>
@@ -8340,7 +8323,7 @@
           <p:cNvPr id="3" name="Espace réservé du contenu 2">
             <a:extLst>
               <a:ext uri="{FF2B5EF4-FFF2-40B4-BE49-F238E27FC236}">
-                <a16:creationId xmlns:a16="http://schemas.microsoft.com/office/drawing/2014/main" id="{DE3B3BB9-0BC7-07A7-0665-8E78C006418E}"/>
+                <a16:creationId xmlns:a16="http://schemas.microsoft.com/office/drawing/2014/main" id="{28AF5802-2A18-83DE-F9FE-0191DB3DD657}"/>
               </a:ext>
             </a:extLst>
           </p:cNvPr>
@@ -8359,52 +8342,69 @@
         </p:spPr>
         <p:txBody>
           <a:bodyPr vert="horz" lIns="91440" tIns="45720" rIns="91440" bIns="45720" rtlCol="0" anchor="t">
-            <a:normAutofit fontScale="92500" lnSpcReduction="20000"/>
+            <a:normAutofit fontScale="92500" lnSpcReduction="10000"/>
           </a:bodyPr>
           <a:lstStyle/>
           <a:p>
+            <a:r>
+              <a:rPr lang="fr-FR" dirty="0"/>
+              <a:t>Notre app permet de </a:t>
+            </a:r>
             <a:r>
               <a:rPr lang="fr-FR" dirty="0">
                 <a:ea typeface="+mn-lt"/>
                 <a:cs typeface="+mn-lt"/>
               </a:rPr>
-              <a:t>Pour l'API nous la développons dans le cours de service d’échange de données.</a:t>
-            </a:r>
-          </a:p>
-          <a:p>
+              <a:t>voir les vols disponibles.</a:t>
+            </a:r>
+          </a:p>
+          <a:p>
+            <a:r>
+              <a:rPr lang="fr-FR" dirty="0">
+                <a:ea typeface="+mn-lt"/>
+                <a:cs typeface="+mn-lt"/>
+              </a:rPr>
+              <a:t>Créer une réservation (choix du vol, de la classe, du siège, du repas).</a:t>
+            </a:r>
             <a:endParaRPr lang="fr-FR" dirty="0"/>
           </a:p>
           <a:p>
-            <a:r>
-              <a:rPr lang="fr-FR" dirty="0"/>
-              <a:t>API : </a:t>
-            </a:r>
-          </a:p>
-          <a:p>
-            <a:r>
-              <a:rPr lang="fr-FR" dirty="0"/>
-              <a:t>Réservation de vols : </a:t>
-            </a:r>
-          </a:p>
-          <a:p>
-            <a:pPr marL="342900" indent="-342900">
-              <a:buFontTx/>
-              <a:buChar char="-"/>
-            </a:pPr>
-            <a:r>
-              <a:rPr lang="fr-FR" dirty="0"/>
-              <a:t>Notre api permet aux administrateur et employés de créer, annuler et modifier des vols. </a:t>
-            </a:r>
-          </a:p>
-          <a:p>
-            <a:pPr marL="342900" indent="-342900">
-              <a:buFontTx/>
-              <a:buChar char="-"/>
-            </a:pPr>
-            <a:r>
-              <a:rPr lang="fr-FR" dirty="0"/>
-              <a:t>Les clients eux peuvent, réserver des vols, modifier et annuler les réservations.</a:t>
-            </a:r>
+            <a:endParaRPr lang="fr-FR" dirty="0"/>
+          </a:p>
+          <a:p>
+            <a:endParaRPr lang="fr-FR" dirty="0"/>
+          </a:p>
+          <a:p>
+            <a:r>
+              <a:rPr lang="fr-FR" sz="1700" dirty="0"/>
+              <a:t>Lien du design sur </a:t>
+            </a:r>
+            <a:r>
+              <a:rPr lang="fr-FR" sz="1700" dirty="0" err="1"/>
+              <a:t>Figma</a:t>
+            </a:r>
+            <a:r>
+              <a:rPr lang="fr-FR" sz="1700" dirty="0"/>
+              <a:t> :  </a:t>
+            </a:r>
+            <a:endParaRPr lang="fr-FR" sz="1700" dirty="0">
+              <a:ea typeface="+mn-lt"/>
+              <a:cs typeface="+mn-lt"/>
+            </a:endParaRPr>
+          </a:p>
+          <a:p>
+            <a:r>
+              <a:rPr lang="fr-FR" sz="1700" dirty="0">
+                <a:ea typeface="+mn-lt"/>
+                <a:cs typeface="+mn-lt"/>
+                <a:hlinkClick r:id="rId2"/>
+              </a:rPr>
+              <a:t>https://www.figma.com/design/Ff8xxLAMv2wPUxkNbBzVOz/SERVICE-VOLS?node-id=0-1&amp;t=Ak5qHgbMBOUFz5vl-1</a:t>
+            </a:r>
+            <a:endParaRPr lang="fr-FR" sz="1700" dirty="0">
+              <a:ea typeface="+mn-lt"/>
+              <a:cs typeface="+mn-lt"/>
+            </a:endParaRPr>
           </a:p>
           <a:p>
             <a:endParaRPr lang="fr-FR" dirty="0"/>
@@ -8414,7 +8414,7 @@
     </p:spTree>
     <p:extLst>
       <p:ext uri="{BB962C8B-B14F-4D97-AF65-F5344CB8AC3E}">
-        <p14:creationId xmlns:p14="http://schemas.microsoft.com/office/powerpoint/2010/main" val="1828753206"/>
+        <p14:creationId xmlns:p14="http://schemas.microsoft.com/office/powerpoint/2010/main" val="1481485827"/>
       </p:ext>
     </p:extLst>
   </p:cSld>
